--- a/eBolnica.pptx
+++ b/eBolnica.pptx
@@ -11,9 +11,15 @@
     <p:sldId id="259" r:id="rId5"/>
     <p:sldId id="260" r:id="rId6"/>
     <p:sldId id="261" r:id="rId7"/>
-    <p:sldId id="262" r:id="rId8"/>
-    <p:sldId id="263" r:id="rId9"/>
-    <p:sldId id="264" r:id="rId10"/>
+    <p:sldId id="265" r:id="rId8"/>
+    <p:sldId id="266" r:id="rId9"/>
+    <p:sldId id="269" r:id="rId10"/>
+    <p:sldId id="267" r:id="rId11"/>
+    <p:sldId id="268" r:id="rId12"/>
+    <p:sldId id="270" r:id="rId13"/>
+    <p:sldId id="271" r:id="rId14"/>
+    <p:sldId id="263" r:id="rId15"/>
+    <p:sldId id="264" r:id="rId16"/>
   </p:sldIdLst>
   <p:sldSz cx="12192000" cy="6858000"/>
   <p:notesSz cx="6858000" cy="9144000"/>
@@ -112,6 +118,11 @@
       </a:defRPr>
     </a:lvl9pPr>
   </p:defaultTextStyle>
+  <p:extLst>
+    <p:ext uri="{EFAFB233-063F-42B5-8137-9DF3F51BA10A}">
+      <p15:sldGuideLst xmlns:p15="http://schemas.microsoft.com/office/powerpoint/2012/main"/>
+    </p:ext>
+  </p:extLst>
 </p:presentation>
 </file>
 
@@ -289,7 +300,7 @@
             <a:fld id="{87DE6118-2437-4B30-8E3C-4D2BE6020583}" type="datetimeFigureOut">
               <a:rPr lang="en-US" dirty="0"/>
               <a:pPr/>
-              <a:t>12-Jun-17</a:t>
+              <a:t>6/13/2017</a:t>
             </a:fld>
             <a:endParaRPr lang="en-US" dirty="0"/>
           </a:p>
@@ -615,7 +626,7 @@
           <a:p>
             <a:fld id="{87DE6118-2437-4B30-8E3C-4D2BE6020583}" type="datetimeFigureOut">
               <a:rPr lang="en-US" dirty="0"/>
-              <a:t>12-Jun-17</a:t>
+              <a:t>6/13/2017</a:t>
             </a:fld>
             <a:endParaRPr lang="en-US" dirty="0"/>
           </a:p>
@@ -790,7 +801,7 @@
           <a:p>
             <a:fld id="{87DE6118-2437-4B30-8E3C-4D2BE6020583}" type="datetimeFigureOut">
               <a:rPr lang="en-US" dirty="0"/>
-              <a:t>12-Jun-17</a:t>
+              <a:t>6/13/2017</a:t>
             </a:fld>
             <a:endParaRPr lang="en-US" dirty="0"/>
           </a:p>
@@ -955,7 +966,7 @@
           <a:p>
             <a:fld id="{87DE6118-2437-4B30-8E3C-4D2BE6020583}" type="datetimeFigureOut">
               <a:rPr lang="en-US" dirty="0"/>
-              <a:t>12-Jun-17</a:t>
+              <a:t>6/13/2017</a:t>
             </a:fld>
             <a:endParaRPr lang="en-US" dirty="0"/>
           </a:p>
@@ -1228,7 +1239,7 @@
             <a:fld id="{87DE6118-2437-4B30-8E3C-4D2BE6020583}" type="datetimeFigureOut">
               <a:rPr lang="en-US" dirty="0"/>
               <a:pPr/>
-              <a:t>12-Jun-17</a:t>
+              <a:t>6/13/2017</a:t>
             </a:fld>
             <a:endParaRPr lang="en-US" dirty="0"/>
           </a:p>
@@ -1618,7 +1629,7 @@
           <a:p>
             <a:fld id="{87DE6118-2437-4B30-8E3C-4D2BE6020583}" type="datetimeFigureOut">
               <a:rPr lang="en-US" dirty="0"/>
-              <a:t>12-Jun-17</a:t>
+              <a:t>6/13/2017</a:t>
             </a:fld>
             <a:endParaRPr lang="en-US" dirty="0"/>
           </a:p>
@@ -2090,7 +2101,7 @@
           <a:p>
             <a:fld id="{87DE6118-2437-4B30-8E3C-4D2BE6020583}" type="datetimeFigureOut">
               <a:rPr lang="en-US" dirty="0"/>
-              <a:t>12-Jun-17</a:t>
+              <a:t>6/13/2017</a:t>
             </a:fld>
             <a:endParaRPr lang="en-US" dirty="0"/>
           </a:p>
@@ -2203,7 +2214,7 @@
           <a:p>
             <a:fld id="{87DE6118-2437-4B30-8E3C-4D2BE6020583}" type="datetimeFigureOut">
               <a:rPr lang="en-US" dirty="0"/>
-              <a:t>12-Jun-17</a:t>
+              <a:t>6/13/2017</a:t>
             </a:fld>
             <a:endParaRPr lang="en-US" dirty="0"/>
           </a:p>
@@ -2293,7 +2304,7 @@
           <a:p>
             <a:fld id="{87DE6118-2437-4B30-8E3C-4D2BE6020583}" type="datetimeFigureOut">
               <a:rPr lang="en-US" dirty="0"/>
-              <a:t>12-Jun-17</a:t>
+              <a:t>6/13/2017</a:t>
             </a:fld>
             <a:endParaRPr lang="en-US" dirty="0"/>
           </a:p>
@@ -2635,7 +2646,7 @@
             <a:fld id="{87DE6118-2437-4B30-8E3C-4D2BE6020583}" type="datetimeFigureOut">
               <a:rPr lang="en-US" dirty="0"/>
               <a:pPr/>
-              <a:t>12-Jun-17</a:t>
+              <a:t>6/13/2017</a:t>
             </a:fld>
             <a:endParaRPr lang="en-US" dirty="0"/>
           </a:p>
@@ -3020,7 +3031,7 @@
             <a:fld id="{87DE6118-2437-4B30-8E3C-4D2BE6020583}" type="datetimeFigureOut">
               <a:rPr lang="en-US" dirty="0"/>
               <a:pPr/>
-              <a:t>12-Jun-17</a:t>
+              <a:t>6/13/2017</a:t>
             </a:fld>
             <a:endParaRPr lang="en-US" dirty="0"/>
           </a:p>
@@ -3295,7 +3306,7 @@
             <a:fld id="{87DE6118-2437-4B30-8E3C-4D2BE6020583}" type="datetimeFigureOut">
               <a:rPr lang="en-US" dirty="0"/>
               <a:pPr/>
-              <a:t>12-Jun-17</a:t>
+              <a:t>6/13/2017</a:t>
             </a:fld>
             <a:endParaRPr lang="en-US" dirty="0"/>
           </a:p>
@@ -3915,6 +3926,537 @@
     <p:extLst>
       <p:ext uri="{BB962C8B-B14F-4D97-AF65-F5344CB8AC3E}">
         <p14:creationId xmlns:p14="http://schemas.microsoft.com/office/powerpoint/2010/main" val="1164208392"/>
+      </p:ext>
+    </p:extLst>
+  </p:cSld>
+  <p:clrMapOvr>
+    <a:masterClrMapping/>
+  </p:clrMapOvr>
+</p:sld>
+</file>
+
+<file path=ppt/slides/slide10.xml><?xml version="1.0" encoding="utf-8"?>
+<p:sld xmlns:a="http://schemas.openxmlformats.org/drawingml/2006/main" xmlns:r="http://schemas.openxmlformats.org/officeDocument/2006/relationships" xmlns:p="http://schemas.openxmlformats.org/presentationml/2006/main">
+  <p:cSld>
+    <p:spTree>
+      <p:nvGrpSpPr>
+        <p:cNvPr id="1" name=""/>
+        <p:cNvGrpSpPr/>
+        <p:nvPr/>
+      </p:nvGrpSpPr>
+      <p:grpSpPr>
+        <a:xfrm>
+          <a:off x="0" y="0"/>
+          <a:ext cx="0" cy="0"/>
+          <a:chOff x="0" y="0"/>
+          <a:chExt cx="0" cy="0"/>
+        </a:xfrm>
+      </p:grpSpPr>
+      <p:sp>
+        <p:nvSpPr>
+          <p:cNvPr id="2" name="Title 1">
+            <a:extLst>
+              <a:ext uri="{FF2B5EF4-FFF2-40B4-BE49-F238E27FC236}">
+                <a16:creationId xmlns:a16="http://schemas.microsoft.com/office/drawing/2014/main" id="{39988091-4CFB-450A-BC59-F63104333123}"/>
+              </a:ext>
+            </a:extLst>
+          </p:cNvPr>
+          <p:cNvSpPr>
+            <a:spLocks noGrp="1"/>
+          </p:cNvSpPr>
+          <p:nvPr>
+            <p:ph type="title"/>
+          </p:nvPr>
+        </p:nvSpPr>
+        <p:spPr/>
+        <p:txBody>
+          <a:bodyPr/>
+          <a:lstStyle/>
+          <a:p>
+            <a:endParaRPr lang="hr-BA"/>
+          </a:p>
+        </p:txBody>
+      </p:sp>
+      <p:pic>
+        <p:nvPicPr>
+          <p:cNvPr id="5" name="Content Placeholder 4">
+            <a:extLst>
+              <a:ext uri="{FF2B5EF4-FFF2-40B4-BE49-F238E27FC236}">
+                <a16:creationId xmlns:a16="http://schemas.microsoft.com/office/drawing/2014/main" id="{4D7CDA3C-791B-4A99-B06E-A0AB2CD472C4}"/>
+              </a:ext>
+            </a:extLst>
+          </p:cNvPr>
+          <p:cNvPicPr>
+            <a:picLocks noGrp="1" noChangeAspect="1"/>
+          </p:cNvPicPr>
+          <p:nvPr>
+            <p:ph idx="1"/>
+          </p:nvPr>
+        </p:nvPicPr>
+        <p:blipFill>
+          <a:blip r:embed="rId2"/>
+          <a:stretch>
+            <a:fillRect/>
+          </a:stretch>
+        </p:blipFill>
+        <p:spPr>
+          <a:xfrm>
+            <a:off x="1198605" y="413951"/>
+            <a:ext cx="10256108" cy="6085006"/>
+          </a:xfrm>
+        </p:spPr>
+      </p:pic>
+    </p:spTree>
+    <p:extLst>
+      <p:ext uri="{BB962C8B-B14F-4D97-AF65-F5344CB8AC3E}">
+        <p14:creationId xmlns:p14="http://schemas.microsoft.com/office/powerpoint/2010/main" val="1762386803"/>
+      </p:ext>
+    </p:extLst>
+  </p:cSld>
+  <p:clrMapOvr>
+    <a:masterClrMapping/>
+  </p:clrMapOvr>
+</p:sld>
+</file>
+
+<file path=ppt/slides/slide11.xml><?xml version="1.0" encoding="utf-8"?>
+<p:sld xmlns:a="http://schemas.openxmlformats.org/drawingml/2006/main" xmlns:r="http://schemas.openxmlformats.org/officeDocument/2006/relationships" xmlns:p="http://schemas.openxmlformats.org/presentationml/2006/main">
+  <p:cSld>
+    <p:spTree>
+      <p:nvGrpSpPr>
+        <p:cNvPr id="1" name=""/>
+        <p:cNvGrpSpPr/>
+        <p:nvPr/>
+      </p:nvGrpSpPr>
+      <p:grpSpPr>
+        <a:xfrm>
+          <a:off x="0" y="0"/>
+          <a:ext cx="0" cy="0"/>
+          <a:chOff x="0" y="0"/>
+          <a:chExt cx="0" cy="0"/>
+        </a:xfrm>
+      </p:grpSpPr>
+      <p:sp>
+        <p:nvSpPr>
+          <p:cNvPr id="2" name="Title 1">
+            <a:extLst>
+              <a:ext uri="{FF2B5EF4-FFF2-40B4-BE49-F238E27FC236}">
+                <a16:creationId xmlns:a16="http://schemas.microsoft.com/office/drawing/2014/main" id="{E8FB80DF-1E46-470B-B06A-2CED5F77112A}"/>
+              </a:ext>
+            </a:extLst>
+          </p:cNvPr>
+          <p:cNvSpPr>
+            <a:spLocks noGrp="1"/>
+          </p:cNvSpPr>
+          <p:nvPr>
+            <p:ph type="title"/>
+          </p:nvPr>
+        </p:nvSpPr>
+        <p:spPr/>
+        <p:txBody>
+          <a:bodyPr/>
+          <a:lstStyle/>
+          <a:p>
+            <a:endParaRPr lang="hr-BA"/>
+          </a:p>
+        </p:txBody>
+      </p:sp>
+      <p:pic>
+        <p:nvPicPr>
+          <p:cNvPr id="5" name="Content Placeholder 4">
+            <a:extLst>
+              <a:ext uri="{FF2B5EF4-FFF2-40B4-BE49-F238E27FC236}">
+                <a16:creationId xmlns:a16="http://schemas.microsoft.com/office/drawing/2014/main" id="{BFEAAD7E-BB22-42DF-AD21-DBEA6D50A24C}"/>
+              </a:ext>
+            </a:extLst>
+          </p:cNvPr>
+          <p:cNvPicPr>
+            <a:picLocks noGrp="1" noChangeAspect="1"/>
+          </p:cNvPicPr>
+          <p:nvPr>
+            <p:ph idx="1"/>
+          </p:nvPr>
+        </p:nvPicPr>
+        <p:blipFill>
+          <a:blip r:embed="rId2"/>
+          <a:stretch>
+            <a:fillRect/>
+          </a:stretch>
+        </p:blipFill>
+        <p:spPr>
+          <a:xfrm>
+            <a:off x="1371600" y="537519"/>
+            <a:ext cx="9935280" cy="5656512"/>
+          </a:xfrm>
+        </p:spPr>
+      </p:pic>
+    </p:spTree>
+    <p:extLst>
+      <p:ext uri="{BB962C8B-B14F-4D97-AF65-F5344CB8AC3E}">
+        <p14:creationId xmlns:p14="http://schemas.microsoft.com/office/powerpoint/2010/main" val="1382086320"/>
+      </p:ext>
+    </p:extLst>
+  </p:cSld>
+  <p:clrMapOvr>
+    <a:masterClrMapping/>
+  </p:clrMapOvr>
+</p:sld>
+</file>
+
+<file path=ppt/slides/slide12.xml><?xml version="1.0" encoding="utf-8"?>
+<p:sld xmlns:a="http://schemas.openxmlformats.org/drawingml/2006/main" xmlns:r="http://schemas.openxmlformats.org/officeDocument/2006/relationships" xmlns:p="http://schemas.openxmlformats.org/presentationml/2006/main">
+  <p:cSld>
+    <p:spTree>
+      <p:nvGrpSpPr>
+        <p:cNvPr id="1" name=""/>
+        <p:cNvGrpSpPr/>
+        <p:nvPr/>
+      </p:nvGrpSpPr>
+      <p:grpSpPr>
+        <a:xfrm>
+          <a:off x="0" y="0"/>
+          <a:ext cx="0" cy="0"/>
+          <a:chOff x="0" y="0"/>
+          <a:chExt cx="0" cy="0"/>
+        </a:xfrm>
+      </p:grpSpPr>
+      <p:sp>
+        <p:nvSpPr>
+          <p:cNvPr id="2" name="Title 1">
+            <a:extLst>
+              <a:ext uri="{FF2B5EF4-FFF2-40B4-BE49-F238E27FC236}">
+                <a16:creationId xmlns:a16="http://schemas.microsoft.com/office/drawing/2014/main" id="{47EC943E-BC9E-4FA7-92DC-5FD70F25A977}"/>
+              </a:ext>
+            </a:extLst>
+          </p:cNvPr>
+          <p:cNvSpPr>
+            <a:spLocks noGrp="1"/>
+          </p:cNvSpPr>
+          <p:nvPr>
+            <p:ph type="title"/>
+          </p:nvPr>
+        </p:nvSpPr>
+        <p:spPr/>
+        <p:txBody>
+          <a:bodyPr/>
+          <a:lstStyle/>
+          <a:p>
+            <a:endParaRPr lang="hr-BA"/>
+          </a:p>
+        </p:txBody>
+      </p:sp>
+      <p:pic>
+        <p:nvPicPr>
+          <p:cNvPr id="5" name="Content Placeholder 4">
+            <a:extLst>
+              <a:ext uri="{FF2B5EF4-FFF2-40B4-BE49-F238E27FC236}">
+                <a16:creationId xmlns:a16="http://schemas.microsoft.com/office/drawing/2014/main" id="{7FABFE90-B018-4B95-AF40-FC0E0F151347}"/>
+              </a:ext>
+            </a:extLst>
+          </p:cNvPr>
+          <p:cNvPicPr>
+            <a:picLocks noGrp="1" noChangeAspect="1"/>
+          </p:cNvPicPr>
+          <p:nvPr>
+            <p:ph idx="1"/>
+          </p:nvPr>
+        </p:nvPicPr>
+        <p:blipFill>
+          <a:blip r:embed="rId2"/>
+          <a:stretch>
+            <a:fillRect/>
+          </a:stretch>
+        </p:blipFill>
+        <p:spPr>
+          <a:xfrm>
+            <a:off x="1272745" y="358344"/>
+            <a:ext cx="10132541" cy="5986511"/>
+          </a:xfrm>
+        </p:spPr>
+      </p:pic>
+    </p:spTree>
+    <p:extLst>
+      <p:ext uri="{BB962C8B-B14F-4D97-AF65-F5344CB8AC3E}">
+        <p14:creationId xmlns:p14="http://schemas.microsoft.com/office/powerpoint/2010/main" val="2738304007"/>
+      </p:ext>
+    </p:extLst>
+  </p:cSld>
+  <p:clrMapOvr>
+    <a:masterClrMapping/>
+  </p:clrMapOvr>
+</p:sld>
+</file>
+
+<file path=ppt/slides/slide13.xml><?xml version="1.0" encoding="utf-8"?>
+<p:sld xmlns:a="http://schemas.openxmlformats.org/drawingml/2006/main" xmlns:r="http://schemas.openxmlformats.org/officeDocument/2006/relationships" xmlns:p="http://schemas.openxmlformats.org/presentationml/2006/main">
+  <p:cSld>
+    <p:spTree>
+      <p:nvGrpSpPr>
+        <p:cNvPr id="1" name=""/>
+        <p:cNvGrpSpPr/>
+        <p:nvPr/>
+      </p:nvGrpSpPr>
+      <p:grpSpPr>
+        <a:xfrm>
+          <a:off x="0" y="0"/>
+          <a:ext cx="0" cy="0"/>
+          <a:chOff x="0" y="0"/>
+          <a:chExt cx="0" cy="0"/>
+        </a:xfrm>
+      </p:grpSpPr>
+      <p:sp>
+        <p:nvSpPr>
+          <p:cNvPr id="2" name="Title 1">
+            <a:extLst>
+              <a:ext uri="{FF2B5EF4-FFF2-40B4-BE49-F238E27FC236}">
+                <a16:creationId xmlns:a16="http://schemas.microsoft.com/office/drawing/2014/main" id="{B5253958-CDA5-425A-AEF4-B864E9BE25B1}"/>
+              </a:ext>
+            </a:extLst>
+          </p:cNvPr>
+          <p:cNvSpPr>
+            <a:spLocks noGrp="1"/>
+          </p:cNvSpPr>
+          <p:nvPr>
+            <p:ph type="title"/>
+          </p:nvPr>
+        </p:nvSpPr>
+        <p:spPr/>
+        <p:txBody>
+          <a:bodyPr/>
+          <a:lstStyle/>
+          <a:p>
+            <a:endParaRPr lang="hr-BA"/>
+          </a:p>
+        </p:txBody>
+      </p:sp>
+      <p:pic>
+        <p:nvPicPr>
+          <p:cNvPr id="5" name="Content Placeholder 4">
+            <a:extLst>
+              <a:ext uri="{FF2B5EF4-FFF2-40B4-BE49-F238E27FC236}">
+                <a16:creationId xmlns:a16="http://schemas.microsoft.com/office/drawing/2014/main" id="{76F671D5-C329-44AB-9F46-89822D757344}"/>
+              </a:ext>
+            </a:extLst>
+          </p:cNvPr>
+          <p:cNvPicPr>
+            <a:picLocks noGrp="1" noChangeAspect="1"/>
+          </p:cNvPicPr>
+          <p:nvPr>
+            <p:ph idx="1"/>
+          </p:nvPr>
+        </p:nvPicPr>
+        <p:blipFill>
+          <a:blip r:embed="rId2"/>
+          <a:stretch>
+            <a:fillRect/>
+          </a:stretch>
+        </p:blipFill>
+        <p:spPr>
+          <a:xfrm>
+            <a:off x="1124464" y="543697"/>
+            <a:ext cx="10505158" cy="5671751"/>
+          </a:xfrm>
+        </p:spPr>
+      </p:pic>
+    </p:spTree>
+    <p:extLst>
+      <p:ext uri="{BB962C8B-B14F-4D97-AF65-F5344CB8AC3E}">
+        <p14:creationId xmlns:p14="http://schemas.microsoft.com/office/powerpoint/2010/main" val="1116402818"/>
+      </p:ext>
+    </p:extLst>
+  </p:cSld>
+  <p:clrMapOvr>
+    <a:masterClrMapping/>
+  </p:clrMapOvr>
+</p:sld>
+</file>
+
+<file path=ppt/slides/slide14.xml><?xml version="1.0" encoding="utf-8"?>
+<p:sld xmlns:a="http://schemas.openxmlformats.org/drawingml/2006/main" xmlns:r="http://schemas.openxmlformats.org/officeDocument/2006/relationships" xmlns:p="http://schemas.openxmlformats.org/presentationml/2006/main">
+  <p:cSld>
+    <p:spTree>
+      <p:nvGrpSpPr>
+        <p:cNvPr id="1" name=""/>
+        <p:cNvGrpSpPr/>
+        <p:nvPr/>
+      </p:nvGrpSpPr>
+      <p:grpSpPr>
+        <a:xfrm>
+          <a:off x="0" y="0"/>
+          <a:ext cx="0" cy="0"/>
+          <a:chOff x="0" y="0"/>
+          <a:chExt cx="0" cy="0"/>
+        </a:xfrm>
+      </p:grpSpPr>
+      <p:sp>
+        <p:nvSpPr>
+          <p:cNvPr id="2" name="Title 1">
+            <a:extLst>
+              <a:ext uri="{FF2B5EF4-FFF2-40B4-BE49-F238E27FC236}">
+                <a16:creationId xmlns:a16="http://schemas.microsoft.com/office/drawing/2014/main" id="{7B4A02BA-D777-4D21-BE5A-317AA3804298}"/>
+              </a:ext>
+            </a:extLst>
+          </p:cNvPr>
+          <p:cNvSpPr>
+            <a:spLocks noGrp="1"/>
+          </p:cNvSpPr>
+          <p:nvPr>
+            <p:ph type="title"/>
+          </p:nvPr>
+        </p:nvSpPr>
+        <p:spPr>
+          <a:xfrm>
+            <a:off x="3171825" y="85725"/>
+            <a:ext cx="6438900" cy="1485900"/>
+          </a:xfrm>
+        </p:spPr>
+        <p:txBody>
+          <a:bodyPr>
+            <a:normAutofit/>
+          </a:bodyPr>
+          <a:lstStyle/>
+          <a:p>
+            <a:r>
+              <a:rPr lang="en-US" sz="5400" dirty="0"/>
+              <a:t>Ali </a:t>
+            </a:r>
+            <a:r>
+              <a:rPr lang="en-US" sz="5400" dirty="0" err="1"/>
+              <a:t>nije</a:t>
+            </a:r>
+            <a:r>
+              <a:rPr lang="en-US" sz="5400" dirty="0"/>
+              <a:t> </a:t>
+            </a:r>
+            <a:r>
+              <a:rPr lang="en-US" sz="5400" dirty="0" err="1"/>
+              <a:t>sve</a:t>
+            </a:r>
+            <a:r>
+              <a:rPr lang="en-US" sz="5400" dirty="0"/>
+              <a:t> </a:t>
+            </a:r>
+            <a:r>
+              <a:rPr lang="en-US" sz="5400" dirty="0" err="1"/>
+              <a:t>tako</a:t>
+            </a:r>
+            <a:r>
+              <a:rPr lang="en-US" sz="5400" dirty="0"/>
+              <a:t> </a:t>
+            </a:r>
+            <a:r>
+              <a:rPr lang="en-US" sz="5400" dirty="0" err="1"/>
+              <a:t>crno</a:t>
+            </a:r>
+            <a:r>
+              <a:rPr lang="en-US" sz="5400" dirty="0"/>
+              <a:t>!</a:t>
+            </a:r>
+            <a:endParaRPr lang="bs-Latn-BA" sz="5400" dirty="0"/>
+          </a:p>
+        </p:txBody>
+      </p:sp>
+      <p:pic>
+        <p:nvPicPr>
+          <p:cNvPr id="4" name="Picture 3">
+            <a:extLst>
+              <a:ext uri="{FF2B5EF4-FFF2-40B4-BE49-F238E27FC236}">
+                <a16:creationId xmlns:a16="http://schemas.microsoft.com/office/drawing/2014/main" id="{71D0ADEF-84DE-45AF-B659-6C85A47F153E}"/>
+              </a:ext>
+            </a:extLst>
+          </p:cNvPr>
+          <p:cNvPicPr>
+            <a:picLocks noChangeAspect="1"/>
+          </p:cNvPicPr>
+          <p:nvPr/>
+        </p:nvPicPr>
+        <p:blipFill>
+          <a:blip r:embed="rId2"/>
+          <a:stretch>
+            <a:fillRect/>
+          </a:stretch>
+        </p:blipFill>
+        <p:spPr>
+          <a:xfrm>
+            <a:off x="1766592" y="1133475"/>
+            <a:ext cx="9530058" cy="5358485"/>
+          </a:xfrm>
+          <a:prstGeom prst="rect">
+            <a:avLst/>
+          </a:prstGeom>
+        </p:spPr>
+      </p:pic>
+    </p:spTree>
+    <p:extLst>
+      <p:ext uri="{BB962C8B-B14F-4D97-AF65-F5344CB8AC3E}">
+        <p14:creationId xmlns:p14="http://schemas.microsoft.com/office/powerpoint/2010/main" val="949209297"/>
+      </p:ext>
+    </p:extLst>
+  </p:cSld>
+  <p:clrMapOvr>
+    <a:masterClrMapping/>
+  </p:clrMapOvr>
+</p:sld>
+</file>
+
+<file path=ppt/slides/slide15.xml><?xml version="1.0" encoding="utf-8"?>
+<p:sld xmlns:a="http://schemas.openxmlformats.org/drawingml/2006/main" xmlns:r="http://schemas.openxmlformats.org/officeDocument/2006/relationships" xmlns:p="http://schemas.openxmlformats.org/presentationml/2006/main">
+  <p:cSld>
+    <p:spTree>
+      <p:nvGrpSpPr>
+        <p:cNvPr id="1" name=""/>
+        <p:cNvGrpSpPr/>
+        <p:nvPr/>
+      </p:nvGrpSpPr>
+      <p:grpSpPr>
+        <a:xfrm>
+          <a:off x="0" y="0"/>
+          <a:ext cx="0" cy="0"/>
+          <a:chOff x="0" y="0"/>
+          <a:chExt cx="0" cy="0"/>
+        </a:xfrm>
+      </p:grpSpPr>
+      <p:sp>
+        <p:nvSpPr>
+          <p:cNvPr id="4" name="TextBox 3">
+            <a:extLst>
+              <a:ext uri="{FF2B5EF4-FFF2-40B4-BE49-F238E27FC236}">
+                <a16:creationId xmlns:a16="http://schemas.microsoft.com/office/drawing/2014/main" id="{0853903F-2A40-473F-97FD-7CE345EC49EB}"/>
+              </a:ext>
+            </a:extLst>
+          </p:cNvPr>
+          <p:cNvSpPr txBox="1"/>
+          <p:nvPr/>
+        </p:nvSpPr>
+        <p:spPr>
+          <a:xfrm>
+            <a:off x="2457450" y="1057275"/>
+            <a:ext cx="8096250" cy="4339650"/>
+          </a:xfrm>
+          <a:prstGeom prst="rect">
+            <a:avLst/>
+          </a:prstGeom>
+          <a:noFill/>
+        </p:spPr>
+        <p:txBody>
+          <a:bodyPr wrap="square" rtlCol="0">
+            <a:spAutoFit/>
+          </a:bodyPr>
+          <a:lstStyle/>
+          <a:p>
+            <a:pPr algn="ctr"/>
+            <a:r>
+              <a:rPr lang="en-US" sz="13800" dirty="0"/>
+              <a:t>OSTANITE POZITIVNI!</a:t>
+            </a:r>
+            <a:endParaRPr lang="bs-Latn-BA" sz="13800" dirty="0"/>
+          </a:p>
+        </p:txBody>
+      </p:sp>
+    </p:spTree>
+    <p:extLst>
+      <p:ext uri="{BB962C8B-B14F-4D97-AF65-F5344CB8AC3E}">
+        <p14:creationId xmlns:p14="http://schemas.microsoft.com/office/powerpoint/2010/main" val="3436180389"/>
       </p:ext>
     </p:extLst>
   </p:cSld>
@@ -6486,7 +7028,7 @@
           <p:cNvPr id="2" name="Title 1">
             <a:extLst>
               <a:ext uri="{FF2B5EF4-FFF2-40B4-BE49-F238E27FC236}">
-                <a16:creationId xmlns:a16="http://schemas.microsoft.com/office/drawing/2014/main" id="{DEE2B295-30E5-4AE2-B082-1D042A400D54}"/>
+                <a16:creationId xmlns:a16="http://schemas.microsoft.com/office/drawing/2014/main" id="{FA200420-B53D-4853-AB38-37DECB322623}"/>
               </a:ext>
             </a:extLst>
           </p:cNvPr>
@@ -6502,16 +7044,16 @@
           <a:bodyPr/>
           <a:lstStyle/>
           <a:p>
-            <a:endParaRPr lang="bs-Latn-BA"/>
-          </a:p>
-        </p:txBody>
-      </p:sp>
-      <p:sp>
-        <p:nvSpPr>
-          <p:cNvPr id="3" name="Content Placeholder 2">
+            <a:endParaRPr lang="hr-BA" dirty="0"/>
+          </a:p>
+        </p:txBody>
+      </p:sp>
+      <p:sp>
+        <p:nvSpPr>
+          <p:cNvPr id="11" name="Content Placeholder 10">
             <a:extLst>
               <a:ext uri="{FF2B5EF4-FFF2-40B4-BE49-F238E27FC236}">
-                <a16:creationId xmlns:a16="http://schemas.microsoft.com/office/drawing/2014/main" id="{DFBCC1B4-2DF2-4DB1-992A-6F966B9FE8C9}"/>
+                <a16:creationId xmlns:a16="http://schemas.microsoft.com/office/drawing/2014/main" id="{3710F41F-41CC-4730-8B2C-2490887427C0}"/>
               </a:ext>
             </a:extLst>
           </p:cNvPr>
@@ -6527,34 +7069,44 @@
           <a:bodyPr/>
           <a:lstStyle/>
           <a:p>
-            <a:r>
-              <a:rPr lang="en-US" dirty="0" err="1"/>
-              <a:t>Ovjde</a:t>
-            </a:r>
-            <a:r>
-              <a:rPr lang="en-US" dirty="0"/>
-              <a:t> sad vi </a:t>
-            </a:r>
-            <a:r>
-              <a:rPr lang="en-US" dirty="0" err="1"/>
-              <a:t>pišite</a:t>
-            </a:r>
-            <a:r>
-              <a:rPr lang="en-US" dirty="0"/>
-              <a:t> </a:t>
-            </a:r>
-            <a:r>
-              <a:rPr lang="en-US" dirty="0" err="1"/>
-              <a:t>vaše</a:t>
-            </a:r>
-            <a:endParaRPr lang="bs-Latn-BA" dirty="0"/>
-          </a:p>
-        </p:txBody>
-      </p:sp>
+            <a:endParaRPr lang="hr-BA"/>
+          </a:p>
+        </p:txBody>
+      </p:sp>
+      <p:pic>
+        <p:nvPicPr>
+          <p:cNvPr id="12" name="Picture 11">
+            <a:extLst>
+              <a:ext uri="{FF2B5EF4-FFF2-40B4-BE49-F238E27FC236}">
+                <a16:creationId xmlns:a16="http://schemas.microsoft.com/office/drawing/2014/main" id="{81B75E0B-3BE0-45FA-B47D-35A3D13A52BC}"/>
+              </a:ext>
+            </a:extLst>
+          </p:cNvPr>
+          <p:cNvPicPr>
+            <a:picLocks noChangeAspect="1"/>
+          </p:cNvPicPr>
+          <p:nvPr/>
+        </p:nvPicPr>
+        <p:blipFill>
+          <a:blip r:embed="rId2"/>
+          <a:stretch>
+            <a:fillRect/>
+          </a:stretch>
+        </p:blipFill>
+        <p:spPr>
+          <a:xfrm>
+            <a:off x="1371600" y="543698"/>
+            <a:ext cx="10157381" cy="5782962"/>
+          </a:xfrm>
+          <a:prstGeom prst="rect">
+            <a:avLst/>
+          </a:prstGeom>
+        </p:spPr>
+      </p:pic>
     </p:spTree>
     <p:extLst>
       <p:ext uri="{BB962C8B-B14F-4D97-AF65-F5344CB8AC3E}">
-        <p14:creationId xmlns:p14="http://schemas.microsoft.com/office/powerpoint/2010/main" val="14406018"/>
+        <p14:creationId xmlns:p14="http://schemas.microsoft.com/office/powerpoint/2010/main" val="359680456"/>
       </p:ext>
     </p:extLst>
   </p:cSld>
@@ -6586,7 +7138,7 @@
           <p:cNvPr id="2" name="Title 1">
             <a:extLst>
               <a:ext uri="{FF2B5EF4-FFF2-40B4-BE49-F238E27FC236}">
-                <a16:creationId xmlns:a16="http://schemas.microsoft.com/office/drawing/2014/main" id="{7B4A02BA-D777-4D21-BE5A-317AA3804298}"/>
+                <a16:creationId xmlns:a16="http://schemas.microsoft.com/office/drawing/2014/main" id="{05B6D8E7-726A-4136-9E57-CCB46323D879}"/>
               </a:ext>
             </a:extLst>
           </p:cNvPr>
@@ -6597,71 +7149,30 @@
             <p:ph type="title"/>
           </p:nvPr>
         </p:nvSpPr>
-        <p:spPr>
-          <a:xfrm>
-            <a:off x="3171825" y="85725"/>
-            <a:ext cx="6438900" cy="1485900"/>
-          </a:xfrm>
-        </p:spPr>
-        <p:txBody>
-          <a:bodyPr>
-            <a:normAutofit/>
-          </a:bodyPr>
+        <p:spPr/>
+        <p:txBody>
+          <a:bodyPr/>
           <a:lstStyle/>
           <a:p>
-            <a:r>
-              <a:rPr lang="en-US" sz="5400" dirty="0"/>
-              <a:t>Ali </a:t>
-            </a:r>
-            <a:r>
-              <a:rPr lang="en-US" sz="5400" dirty="0" err="1"/>
-              <a:t>nije</a:t>
-            </a:r>
-            <a:r>
-              <a:rPr lang="en-US" sz="5400" dirty="0"/>
-              <a:t> </a:t>
-            </a:r>
-            <a:r>
-              <a:rPr lang="en-US" sz="5400" dirty="0" err="1"/>
-              <a:t>sve</a:t>
-            </a:r>
-            <a:r>
-              <a:rPr lang="en-US" sz="5400" dirty="0"/>
-              <a:t> </a:t>
-            </a:r>
-            <a:r>
-              <a:rPr lang="en-US" sz="5400" dirty="0" err="1"/>
-              <a:t>tako</a:t>
-            </a:r>
-            <a:r>
-              <a:rPr lang="en-US" sz="5400" dirty="0"/>
-              <a:t> </a:t>
-            </a:r>
-            <a:r>
-              <a:rPr lang="en-US" sz="5400" dirty="0" err="1"/>
-              <a:t>crno</a:t>
-            </a:r>
-            <a:r>
-              <a:rPr lang="en-US" sz="5400" dirty="0"/>
-              <a:t>!</a:t>
-            </a:r>
-            <a:endParaRPr lang="bs-Latn-BA" sz="5400" dirty="0"/>
+            <a:endParaRPr lang="hr-BA"/>
           </a:p>
         </p:txBody>
       </p:sp>
       <p:pic>
         <p:nvPicPr>
-          <p:cNvPr id="4" name="Picture 3">
+          <p:cNvPr id="5" name="Content Placeholder 4">
             <a:extLst>
               <a:ext uri="{FF2B5EF4-FFF2-40B4-BE49-F238E27FC236}">
-                <a16:creationId xmlns:a16="http://schemas.microsoft.com/office/drawing/2014/main" id="{71D0ADEF-84DE-45AF-B659-6C85A47F153E}"/>
+                <a16:creationId xmlns:a16="http://schemas.microsoft.com/office/drawing/2014/main" id="{B518842C-1D9A-4458-B55A-3B4911D17003}"/>
               </a:ext>
             </a:extLst>
           </p:cNvPr>
           <p:cNvPicPr>
-            <a:picLocks noChangeAspect="1"/>
+            <a:picLocks noGrp="1" noChangeAspect="1"/>
           </p:cNvPicPr>
-          <p:nvPr/>
+          <p:nvPr>
+            <p:ph idx="1"/>
+          </p:nvPr>
         </p:nvPicPr>
         <p:blipFill>
           <a:blip r:embed="rId2"/>
@@ -6671,18 +7182,15 @@
         </p:blipFill>
         <p:spPr>
           <a:xfrm>
-            <a:off x="1766592" y="1133475"/>
-            <a:ext cx="9530058" cy="5358485"/>
-          </a:xfrm>
-          <a:prstGeom prst="rect">
-            <a:avLst/>
-          </a:prstGeom>
+            <a:off x="1261879" y="591064"/>
+            <a:ext cx="9820642" cy="5686811"/>
+          </a:xfrm>
         </p:spPr>
       </p:pic>
     </p:spTree>
     <p:extLst>
       <p:ext uri="{BB962C8B-B14F-4D97-AF65-F5344CB8AC3E}">
-        <p14:creationId xmlns:p14="http://schemas.microsoft.com/office/powerpoint/2010/main" val="949209297"/>
+        <p14:creationId xmlns:p14="http://schemas.microsoft.com/office/powerpoint/2010/main" val="1976905930"/>
       </p:ext>
     </p:extLst>
   </p:cSld>
@@ -6711,45 +7219,62 @@
       </p:grpSpPr>
       <p:sp>
         <p:nvSpPr>
-          <p:cNvPr id="4" name="TextBox 3">
+          <p:cNvPr id="2" name="Title 1">
             <a:extLst>
               <a:ext uri="{FF2B5EF4-FFF2-40B4-BE49-F238E27FC236}">
-                <a16:creationId xmlns:a16="http://schemas.microsoft.com/office/drawing/2014/main" id="{0853903F-2A40-473F-97FD-7CE345EC49EB}"/>
+                <a16:creationId xmlns:a16="http://schemas.microsoft.com/office/drawing/2014/main" id="{B5280D89-08F0-49D5-9E20-9A8C483E2D3D}"/>
               </a:ext>
             </a:extLst>
           </p:cNvPr>
-          <p:cNvSpPr txBox="1"/>
-          <p:nvPr/>
-        </p:nvSpPr>
-        <p:spPr>
-          <a:xfrm>
-            <a:off x="2457450" y="1057275"/>
-            <a:ext cx="8096250" cy="4339650"/>
-          </a:xfrm>
-          <a:prstGeom prst="rect">
-            <a:avLst/>
-          </a:prstGeom>
-          <a:noFill/>
-        </p:spPr>
-        <p:txBody>
-          <a:bodyPr wrap="square" rtlCol="0">
-            <a:spAutoFit/>
-          </a:bodyPr>
+          <p:cNvSpPr>
+            <a:spLocks noGrp="1"/>
+          </p:cNvSpPr>
+          <p:nvPr>
+            <p:ph type="title"/>
+          </p:nvPr>
+        </p:nvSpPr>
+        <p:spPr/>
+        <p:txBody>
+          <a:bodyPr/>
           <a:lstStyle/>
           <a:p>
-            <a:pPr algn="ctr"/>
-            <a:r>
-              <a:rPr lang="en-US" sz="13800" dirty="0"/>
-              <a:t>OSTANITE POZITIVNI!</a:t>
-            </a:r>
-            <a:endParaRPr lang="bs-Latn-BA" sz="13800" dirty="0"/>
-          </a:p>
-        </p:txBody>
-      </p:sp>
+            <a:endParaRPr lang="hr-BA" dirty="0"/>
+          </a:p>
+        </p:txBody>
+      </p:sp>
+      <p:pic>
+        <p:nvPicPr>
+          <p:cNvPr id="9" name="Content Placeholder 8">
+            <a:extLst>
+              <a:ext uri="{FF2B5EF4-FFF2-40B4-BE49-F238E27FC236}">
+                <a16:creationId xmlns:a16="http://schemas.microsoft.com/office/drawing/2014/main" id="{178AB6DC-4588-4CB4-B3F7-52554F6707B9}"/>
+              </a:ext>
+            </a:extLst>
+          </p:cNvPr>
+          <p:cNvPicPr>
+            <a:picLocks noGrp="1" noChangeAspect="1"/>
+          </p:cNvPicPr>
+          <p:nvPr>
+            <p:ph idx="1"/>
+          </p:nvPr>
+        </p:nvPicPr>
+        <p:blipFill>
+          <a:blip r:embed="rId2"/>
+          <a:stretch>
+            <a:fillRect/>
+          </a:stretch>
+        </p:blipFill>
+        <p:spPr>
+          <a:xfrm>
+            <a:off x="1371600" y="463378"/>
+            <a:ext cx="10058400" cy="5915335"/>
+          </a:xfrm>
+        </p:spPr>
+      </p:pic>
     </p:spTree>
     <p:extLst>
       <p:ext uri="{BB962C8B-B14F-4D97-AF65-F5344CB8AC3E}">
-        <p14:creationId xmlns:p14="http://schemas.microsoft.com/office/powerpoint/2010/main" val="3436180389"/>
+        <p14:creationId xmlns:p14="http://schemas.microsoft.com/office/powerpoint/2010/main" val="2376993388"/>
       </p:ext>
     </p:extLst>
   </p:cSld>
